--- a/output/test4.pptx
+++ b/output/test4.pptx
@@ -11,6 +11,8 @@
     <p:sldId id="256" r:id="rId11"/>
     <p:sldId id="257" r:id="rId12"/>
     <p:sldId id="258" r:id="rId13"/>
+    <p:sldId id="259" r:id="rId14"/>
+    <p:sldId id="260" r:id="rId15"/>
   </p:sldIdLst>
   <p:sldSz cx="12192000" cy="6858000"/>
   <p:notesSz cx="6858000" cy="9144000"/>
@@ -7712,7 +7714,7 @@
             <a:spLocks noGrp="1"/>
           </p:cNvSpPr>
           <p:nvPr>
-            <p:ph sz="half" idx="21" hasCustomPrompt="1"/>
+            <p:ph sz="half" idx="21"/>
           </p:nvPr>
         </p:nvSpPr>
         <p:spPr>
@@ -7810,7 +7812,7 @@
             <a:spLocks noGrp="1"/>
           </p:cNvSpPr>
           <p:nvPr>
-            <p:ph sz="half" idx="20" hasCustomPrompt="1"/>
+            <p:ph sz="half" idx="20"/>
           </p:nvPr>
         </p:nvSpPr>
         <p:spPr>
@@ -7855,7 +7857,7 @@
             <a:picLocks noGrp="1"/>
           </p:cNvPicPr>
           <p:nvPr>
-            <p:ph idx="27" hasCustomPrompt="1"/>
+            <p:ph idx="27"/>
           </p:nvPr>
         </p:nvPicPr>
         <p:blipFill>
@@ -7881,7 +7883,7 @@
             <a:spLocks noGrp="1"/>
           </p:cNvSpPr>
           <p:nvPr>
-            <p:ph sz="quarter" idx="22" hasCustomPrompt="1"/>
+            <p:ph sz="quarter" idx="22"/>
           </p:nvPr>
         </p:nvSpPr>
         <p:spPr>
@@ -7914,7 +7916,7 @@
             <a:spLocks noGrp="1"/>
           </p:cNvSpPr>
           <p:nvPr>
-            <p:ph sz="quarter" idx="23" hasCustomPrompt="1"/>
+            <p:ph sz="quarter" idx="23"/>
           </p:nvPr>
         </p:nvSpPr>
         <p:spPr>
@@ -7961,242 +7963,256 @@
       </p:grpSpPr>
       <p:sp>
         <p:nvSpPr>
-          <p:cNvPr id="2" name="MainText"/>
+          <p:cNvPr id="2" name="Title"/>
           <p:cNvSpPr>
             <a:spLocks noGrp="1"/>
           </p:cNvSpPr>
           <p:nvPr>
-            <p:ph type="body" sz="quarter" idx="10"/>
+            <p:ph/>
           </p:nvPr>
         </p:nvSpPr>
         <p:spPr>
           <a:xfrm>
-            <a:off x="838200" y="1828800"/>
-            <a:ext cx="10515600" cy="4664075"/>
+            <a:off x="855410" y="28373"/>
+            <a:ext cx="10515600" cy="1325563"/>
           </a:xfrm>
         </p:spPr>
         <p:txBody>
           <a:bodyPr/>
           <a:lstStyle/>
           <a:p>
+            <a:r>
+              <a:rPr/>
+              <a:t>Sample Slide</a:t>
+            </a:r>
+          </a:p>
+        </p:txBody>
+      </p:sp>
+      <p:sp>
+        <p:nvSpPr>
+          <p:cNvPr id="3" name="Rights"/>
+          <p:cNvSpPr>
+            <a:spLocks noGrp="1"/>
+          </p:cNvSpPr>
+          <p:nvPr>
+            <p:ph sz="half" idx="21" hasCustomPrompt="1"/>
+          </p:nvPr>
+        </p:nvSpPr>
+        <p:spPr>
+          <a:xfrm>
+            <a:off x="11751370" y="-22373"/>
+            <a:ext cx="442023" cy="6453101"/>
+          </a:xfrm>
+        </p:spPr>
+        <p:txBody>
+          <a:bodyPr/>
+          <a:lstStyle/>
+          <a:p>
+            <a:r>
+              <a:rPr/>
+              <a:t>Created with R and the officer package</a:t>
+            </a:r>
+          </a:p>
+        </p:txBody>
+      </p:sp>
+      <p:pic>
+        <p:nvPicPr>
+          <p:cNvPr id="4" name="LogoBottomLeft" descr=""/>
+          <p:cNvPicPr>
+            <a:picLocks noGrp="1"/>
+          </p:cNvPicPr>
+          <p:nvPr>
+            <p:ph/>
+          </p:nvPr>
+        </p:nvPicPr>
+        <p:blipFill>
+          <a:blip cstate="print" r:embed="rId2"/>
+          <a:stretch>
+            <a:fillRect/>
+          </a:stretch>
+        </p:blipFill>
+        <p:spPr>
+          <a:xfrm>
+            <a:off x="551728" y="6372191"/>
+            <a:ext cx="530703" cy="245179"/>
+          </a:xfrm>
+          <a:prstGeom prst="rect">
+            <a:avLst/>
+          </a:prstGeom>
+        </p:spPr>
+      </p:pic>
+      <p:sp>
+        <p:nvSpPr>
+          <p:cNvPr id="5" name="LeftPlaceholder"/>
+          <p:cNvSpPr>
+            <a:spLocks noGrp="1"/>
+          </p:cNvSpPr>
+          <p:nvPr>
+            <p:ph type="body" idx="18" hasCustomPrompt="1"/>
+          </p:nvPr>
+        </p:nvSpPr>
+        <p:spPr>
+          <a:xfrm>
+            <a:off x="619604" y="1357681"/>
+            <a:ext cx="3441226" cy="5072926"/>
+          </a:xfrm>
+        </p:spPr>
+        <p:txBody>
+          <a:bodyPr/>
+          <a:lstStyle/>
+          <a:p>
             <a:pPr/>
             <a:r>
               <a:rPr/>
-              <a:t>[1] G. Aden-Buie and M. T. Warkentin. _xaringanExtra: Extras and
-Extensions for 'xaringan' Slides_. R package version 0.7.0. 2022. &lt;URL:
-https://CRAN.R-project.org/package=xaringanExtra&gt;.</a:t>
+              <a:t>Item 1
+</a:t>
             </a:r>
           </a:p>
           <a:p>
             <a:pPr/>
             <a:r>
               <a:rPr/>
-              <a:t>[2] J. Allaire, Y. Xie, C. Dervieux, et al. _rmarkdown: Dynamic
-Documents for R_. R package version 2.21. 2023. &lt;URL:
-https://github.com/rstudio/rmarkdown&gt;.</a:t>
+              <a:t>Item 2
+</a:t>
             </a:r>
           </a:p>
           <a:p>
             <a:pPr/>
             <a:r>
               <a:rPr/>
-              <a:t>[3] S. M. Bache and H. Wickham. _magrittr: A Forward-Pipe Operator for
-R_. R package version 2.0.3. 2022. &lt;URL:
-https://CRAN.R-project.org/package=magrittr&gt;.</a:t>
+              <a:t>Item 3
+</a:t>
             </a:r>
           </a:p>
+        </p:txBody>
+      </p:sp>
+      <p:sp>
+        <p:nvSpPr>
+          <p:cNvPr id="6" name="RightFullHeightPlaceholder"/>
+          <p:cNvSpPr>
+            <a:spLocks noGrp="1"/>
+          </p:cNvSpPr>
+          <p:nvPr>
+            <p:ph sz="half" idx="20" hasCustomPrompt="1"/>
+          </p:nvPr>
+        </p:nvSpPr>
+        <p:spPr>
+          <a:xfrm>
+            <a:off x="7922839" y="0"/>
+            <a:ext cx="4289503" cy="6858000"/>
+          </a:xfrm>
+        </p:spPr>
+        <p:txBody>
+          <a:bodyPr/>
+          <a:lstStyle/>
           <a:p>
             <a:pPr/>
             <a:r>
               <a:rPr/>
-              <a:t>[4] M. Barrett and R. Iannone. _ymlthis: Write 'YAML' for 'R Markdown',
-'bookdown', 'blogdown', and More_. R package version 0.1.7. 2022. &lt;URL:
-https://CRAN.R-project.org/package=ymlthis&gt;.</a:t>
+              <a:t>Item A
+</a:t>
             </a:r>
           </a:p>
           <a:p>
             <a:pPr/>
             <a:r>
               <a:rPr/>
-              <a:t>[5] D. Dunnington and B. M. Wiernik. _rbbt: R Interface to the Better
-BiBTex Zotero Connector_. R package version 0.0.0.9000. 2023. &lt;URL:
-https://github.com/paleolimbot/rbbt&gt;.</a:t>
+              <a:t>Item B
+</a:t>
             </a:r>
           </a:p>
           <a:p>
             <a:pPr/>
             <a:r>
               <a:rPr/>
-              <a:t>[6] S. P. Garbett, J. Stephens, K. Simonov, et al. _yaml: Methods to
-Convert R Data to YAML and Back_. R package version 2.3.7. 2023. &lt;URL:
-https://CRAN.R-project.org/package=yaml&gt;.</a:t>
+              <a:t>Item C
+</a:t>
             </a:r>
           </a:p>
-          <a:p>
-            <a:pPr/>
+        </p:txBody>
+      </p:sp>
+      <p:pic>
+        <p:nvPicPr>
+          <p:cNvPr id="7" name="MiddlePlaceholder" descr=""/>
+          <p:cNvPicPr>
+            <a:picLocks noGrp="1"/>
+          </p:cNvPicPr>
+          <p:nvPr>
+            <p:ph idx="27" hasCustomPrompt="1"/>
+          </p:nvPr>
+        </p:nvPicPr>
+        <p:blipFill>
+          <a:blip cstate="print" r:embed="rId2"/>
+          <a:stretch>
+            <a:fillRect/>
+          </a:stretch>
+        </p:blipFill>
+        <p:spPr>
+          <a:xfrm>
+            <a:off x="4458075" y="769471"/>
+            <a:ext cx="3682166" cy="5744973"/>
+          </a:xfrm>
+          <a:prstGeom prst="rect">
+            <a:avLst/>
+          </a:prstGeom>
+        </p:spPr>
+      </p:pic>
+      <p:sp>
+        <p:nvSpPr>
+          <p:cNvPr id="8" name="Citations"/>
+          <p:cNvSpPr>
+            <a:spLocks noGrp="1"/>
+          </p:cNvSpPr>
+          <p:nvPr>
+            <p:ph sz="quarter" idx="22" hasCustomPrompt="1"/>
+          </p:nvPr>
+        </p:nvSpPr>
+        <p:spPr>
+          <a:xfrm>
+            <a:off x="1082430" y="6472384"/>
+            <a:ext cx="8731002" cy="357244"/>
+          </a:xfrm>
+        </p:spPr>
+        <p:txBody>
+          <a:bodyPr/>
+          <a:lstStyle/>
+          <a:p>
             <a:r>
               <a:rPr/>
-              <a:t>[7] D. Gohel. _officer: Manipulation of Microsoft Word and PowerPoint
-Documents_. R package version 0.6.1. 2023. &lt;URL:
-https://CRAN.R-project.org/package=officer&gt;.</a:t>
+              <a:t>&lt;a
+name=bib-kellyCollaborativeWebSearch2014&gt;&lt;/a&gt;[[1]](#cite-kellyCollaborativeWebSearch2014)
+R. Kelly and S. J. Payne. “Collaborative Web Search in Context: A Study
+of Tool Use in Everyday Tasks”. In: _2014 ACM Conference on Computer
+Supported Cooperative Work_. University of Bath, 2014. DOI:
+[10.1145/2531602.2531617](https://doi.org/10.1145%2F2531602.2531617).
+(Visited on 02/17/2014).</a:t>
             </a:r>
           </a:p>
-          <a:p>
-            <a:pPr/>
+        </p:txBody>
+      </p:sp>
+      <p:sp>
+        <p:nvSpPr>
+          <p:cNvPr id="9" name="CRICOS"/>
+          <p:cNvSpPr>
+            <a:spLocks noGrp="1"/>
+          </p:cNvSpPr>
+          <p:nvPr>
+            <p:ph sz="quarter" idx="23" hasCustomPrompt="1"/>
+          </p:nvPr>
+        </p:nvSpPr>
+        <p:spPr>
+          <a:xfrm>
+            <a:off x="9825726" y="6459100"/>
+            <a:ext cx="1455417" cy="370528"/>
+          </a:xfrm>
+        </p:spPr>
+        <p:txBody>
+          <a:bodyPr/>
+          <a:lstStyle/>
+          <a:p>
             <a:r>
               <a:rPr/>
-              <a:t>[8] J. Harrold and B. Smith. _onbrand: Templated Reporting Workflows in
-Word and PowerPoint_. R package version 1.0.2. 2021. &lt;URL:
-https://CRAN.R-project.org/package=onbrand&gt;.</a:t>
-            </a:r>
-          </a:p>
-          <a:p>
-            <a:pPr/>
-            <a:r>
-              <a:rPr/>
-              <a:t>[9] M. W. McLean. “RefManageR: Import and Manage BibTeX and BibLaTeX
-References in R”. In: _The Journal of Open Source Software_ (2017).
-DOI: 10.21105/joss.00338.</a:t>
-            </a:r>
-          </a:p>
-          <a:p>
-            <a:pPr/>
-            <a:r>
-              <a:rPr/>
-              <a:t>[10] M. W. McLean. _Straightforward Bibliography Management in R Using
-the RefManager Package_. arXiv: 1403.2036 [cs.DL]. 2014. &lt;URL:
-https://arxiv.org/abs/1403.2036&gt;.</a:t>
-            </a:r>
-          </a:p>
-          <a:p>
-            <a:pPr/>
-            <a:r>
-              <a:rPr/>
-              <a:t>[11] K. Müller. _here: A Simpler Way to Find Your Files_. R package
-version 1.0.1. 2020. &lt;URL: https://CRAN.R-project.org/package=here&gt;.</a:t>
-            </a:r>
-          </a:p>
-          <a:p>
-            <a:pPr/>
-            <a:r>
-              <a:rPr/>
-              <a:t>[12] K. Müller and H. Wickham. _tibble: Simple Data Frames_. R package
-version 3.2.0. 2023. &lt;URL: https://CRAN.R-project.org/package=tibble&gt;.</a:t>
-            </a:r>
-          </a:p>
-          <a:p>
-            <a:pPr/>
-            <a:r>
-              <a:rPr/>
-              <a:t>[13] R Core Team. _R: A Language and Environment for Statistical
-Computing_. R Foundation for Statistical Computing. Vienna, Austria,
-2021. &lt;URL: https://www.R-project.org/&gt;.</a:t>
-            </a:r>
-          </a:p>
-          <a:p>
-            <a:pPr/>
-            <a:r>
-              <a:rPr/>
-              <a:t>[14] R Core Team. _R: A Language and Environment for Statistical
-Computing_. R Foundation for Statistical Computing. Vienna, Austria,
-2021. &lt;URL: https://www.R-project.org/&gt;.</a:t>
-            </a:r>
-          </a:p>
-          <a:p>
-            <a:pPr/>
-            <a:r>
-              <a:rPr/>
-              <a:t>[15] T. W. Rinker and D. Kurkiewicz. _pacman: Package Management for
-R_. version 0.5.0. Buffalo, New York, 2018. &lt;URL:
-http://github.com/trinker/pacman&gt;.</a:t>
-            </a:r>
-          </a:p>
-          <a:p>
-            <a:pPr/>
-            <a:r>
-              <a:rPr/>
-              <a:t>[16] F. Rodríguez-Sánchez and S. D. Hutchins. _grateful: Facilitate
-citation of R packages_. R package version 0.0.2. 2020. &lt;URL:
-https://github.com/Pakillo/grateful&gt;.</a:t>
-            </a:r>
-          </a:p>
-          <a:p>
-            <a:pPr/>
-            <a:r>
-              <a:rPr/>
-              <a:t>[17] H. Wickham. _stringr: Simple, Consistent Wrappers for Common
-String Operations_. R package version 1.5.0. 2022. &lt;URL:
-https://CRAN.R-project.org/package=stringr&gt;.</a:t>
-            </a:r>
-          </a:p>
-          <a:p>
-            <a:pPr/>
-            <a:r>
-              <a:rPr/>
-              <a:t>[18] H. Wickham, R. François, L. Henry, et al. _dplyr: A Grammar of
-Data Manipulation_. R package version 1.1.1. 2023. &lt;URL:
-https://CRAN.R-project.org/package=dplyr&gt;.</a:t>
-            </a:r>
-          </a:p>
-          <a:p>
-            <a:pPr/>
-            <a:r>
-              <a:rPr/>
-              <a:t>[19] H. Wickham and L. Henry. _purrr: Functional Programming Tools_. R
-package version 1.0.1. 2023. &lt;URL:
-https://CRAN.R-project.org/package=purrr&gt;.</a:t>
-            </a:r>
-          </a:p>
-          <a:p>
-            <a:pPr/>
-            <a:r>
-              <a:rPr/>
-              <a:t>[20] H. Wickham, J. Hester, and J. Bryan. _readr: Read Rectangular Text
-Data_. R package version 2.1.4. 2023. &lt;URL:
-https://CRAN.R-project.org/package=readr&gt;.</a:t>
-            </a:r>
-          </a:p>
-          <a:p>
-            <a:pPr/>
-            <a:r>
-              <a:rPr/>
-              <a:t>[21] H. Wickham, D. Vaughan, and M. Girlich. _tidyr: Tidy Messy Data_.
-R package version 1.3.0. 2023. &lt;URL:
-https://CRAN.R-project.org/package=tidyr&gt;.</a:t>
-            </a:r>
-          </a:p>
-          <a:p>
-            <a:pPr/>
-            <a:r>
-              <a:rPr/>
-              <a:t>[22] Y. Xie. _xaringan: Presentation Ninja_. R package version 0.28.
-2022. &lt;URL: https://CRAN.R-project.org/package=xaringan&gt;.</a:t>
-            </a:r>
-          </a:p>
-          <a:p>
-            <a:pPr/>
-            <a:r>
-              <a:rPr/>
-              <a:t>[23] Y. Xie, J. Allaire, and G. Grolemund. _R Markdown: The Definitive
-Guide_. Boca Raton, Florida: Chapman and Hall/CRC, 2018. ISBN:
-9781138359338. &lt;URL: https://bookdown.org/yihui/rmarkdown&gt;.</a:t>
-            </a:r>
-          </a:p>
-          <a:p>
-            <a:pPr/>
-            <a:r>
-              <a:rPr/>
-              <a:t>[24] Y. Xie, C. Dervieux, and E. Riederer. _R Markdown Cookbook_. Boca
-Raton, Florida: Chapman and Hall/CRC, 2020. ISBN: 9780367563837. &lt;URL:
-https://bookdown.org/yihui/rmarkdown-cookbook&gt;.</a:t>
-            </a:r>
-          </a:p>
-          <a:p>
-            <a:pPr/>
-            <a:r>
-              <a:rPr/>
-              <a:t>[25] A. Yasumoto. _ftExtra: Extensions for 'Flextable'_. R package
-version 0.5.0. 2023. &lt;URL: https://CRAN.R-project.org/package=ftExtra&gt;.</a:t>
+              <a:t>CRICOS 00099F</a:t>
             </a:r>
           </a:p>
         </p:txBody>
@@ -8210,6 +8226,554 @@
 </file>
 
 <file path=ppt/slides/slide3.xml><?xml version="1.0" encoding="utf-8"?>
+<p:sld xmlns:a="http://schemas.openxmlformats.org/drawingml/2006/main" xmlns:r="http://schemas.openxmlformats.org/officeDocument/2006/relationships" xmlns:p="http://schemas.openxmlformats.org/presentationml/2006/main">
+  <p:cSld>
+    <p:spTree>
+      <p:nvGrpSpPr>
+        <p:cNvPr id="1" name=""/>
+        <p:cNvGrpSpPr/>
+        <p:nvPr/>
+      </p:nvGrpSpPr>
+      <p:grpSpPr>
+        <a:xfrm>
+          <a:off x="0" y="0"/>
+          <a:ext cx="0" cy="0"/>
+          <a:chOff x="0" y="0"/>
+          <a:chExt cx="0" cy="0"/>
+        </a:xfrm>
+      </p:grpSpPr>
+      <p:sp>
+        <p:nvSpPr>
+          <p:cNvPr id="2" name="Title"/>
+          <p:cNvSpPr>
+            <a:spLocks noGrp="1"/>
+          </p:cNvSpPr>
+          <p:nvPr>
+            <p:ph/>
+          </p:nvPr>
+        </p:nvSpPr>
+        <p:spPr>
+          <a:xfrm>
+            <a:off x="855410" y="28373"/>
+            <a:ext cx="10515600" cy="1325563"/>
+          </a:xfrm>
+        </p:spPr>
+        <p:txBody>
+          <a:bodyPr/>
+          <a:lstStyle/>
+          <a:p>
+            <a:r>
+              <a:rPr/>
+              <a:t>Sample Slide</a:t>
+            </a:r>
+          </a:p>
+        </p:txBody>
+      </p:sp>
+      <p:sp>
+        <p:nvSpPr>
+          <p:cNvPr id="3" name="Rights"/>
+          <p:cNvSpPr>
+            <a:spLocks noGrp="1"/>
+          </p:cNvSpPr>
+          <p:nvPr>
+            <p:ph sz="half" idx="21" hasCustomPrompt="1"/>
+          </p:nvPr>
+        </p:nvSpPr>
+        <p:spPr>
+          <a:xfrm>
+            <a:off x="11751370" y="-22373"/>
+            <a:ext cx="442023" cy="6453101"/>
+          </a:xfrm>
+        </p:spPr>
+        <p:txBody>
+          <a:bodyPr/>
+          <a:lstStyle/>
+          <a:p>
+            <a:r>
+              <a:rPr/>
+              <a:t>Created with R and the officer package</a:t>
+            </a:r>
+          </a:p>
+        </p:txBody>
+      </p:sp>
+      <p:pic>
+        <p:nvPicPr>
+          <p:cNvPr id="4" name="LogoBottomLeft" descr=""/>
+          <p:cNvPicPr>
+            <a:picLocks noGrp="1"/>
+          </p:cNvPicPr>
+          <p:nvPr>
+            <p:ph/>
+          </p:nvPr>
+        </p:nvPicPr>
+        <p:blipFill>
+          <a:blip cstate="print" r:embed="rId2"/>
+          <a:stretch>
+            <a:fillRect/>
+          </a:stretch>
+        </p:blipFill>
+        <p:spPr>
+          <a:xfrm>
+            <a:off x="551728" y="6372191"/>
+            <a:ext cx="530703" cy="245179"/>
+          </a:xfrm>
+          <a:prstGeom prst="rect">
+            <a:avLst/>
+          </a:prstGeom>
+        </p:spPr>
+      </p:pic>
+      <p:sp>
+        <p:nvSpPr>
+          <p:cNvPr id="5" name="LeftPlaceholder"/>
+          <p:cNvSpPr>
+            <a:spLocks noGrp="1"/>
+          </p:cNvSpPr>
+          <p:nvPr>
+            <p:ph type="body" idx="18" hasCustomPrompt="1"/>
+          </p:nvPr>
+        </p:nvSpPr>
+        <p:spPr>
+          <a:xfrm>
+            <a:off x="619604" y="1357681"/>
+            <a:ext cx="3441226" cy="5072926"/>
+          </a:xfrm>
+        </p:spPr>
+        <p:txBody>
+          <a:bodyPr/>
+          <a:lstStyle/>
+          <a:p>
+            <a:pPr/>
+            <a:r>
+              <a:rPr/>
+              <a:t>Item 1
+</a:t>
+            </a:r>
+          </a:p>
+          <a:p>
+            <a:pPr/>
+            <a:r>
+              <a:rPr/>
+              <a:t>Item 2
+</a:t>
+            </a:r>
+          </a:p>
+          <a:p>
+            <a:pPr/>
+            <a:r>
+              <a:rPr/>
+              <a:t>Item 3
+</a:t>
+            </a:r>
+          </a:p>
+        </p:txBody>
+      </p:sp>
+      <p:sp>
+        <p:nvSpPr>
+          <p:cNvPr id="6" name="RightFullHeightPlaceholder"/>
+          <p:cNvSpPr>
+            <a:spLocks noGrp="1"/>
+          </p:cNvSpPr>
+          <p:nvPr>
+            <p:ph sz="half" idx="20" hasCustomPrompt="1"/>
+          </p:nvPr>
+        </p:nvSpPr>
+        <p:spPr>
+          <a:xfrm>
+            <a:off x="7922839" y="0"/>
+            <a:ext cx="4289503" cy="6858000"/>
+          </a:xfrm>
+        </p:spPr>
+        <p:txBody>
+          <a:bodyPr/>
+          <a:lstStyle/>
+          <a:p>
+            <a:pPr/>
+            <a:r>
+              <a:rPr/>
+              <a:t>Item A
+</a:t>
+            </a:r>
+          </a:p>
+          <a:p>
+            <a:pPr/>
+            <a:r>
+              <a:rPr/>
+              <a:t>Item B
+</a:t>
+            </a:r>
+          </a:p>
+          <a:p>
+            <a:pPr/>
+            <a:r>
+              <a:rPr/>
+              <a:t>Item C
+</a:t>
+            </a:r>
+          </a:p>
+        </p:txBody>
+      </p:sp>
+      <p:pic>
+        <p:nvPicPr>
+          <p:cNvPr id="7" name="MiddlePlaceholder" descr=""/>
+          <p:cNvPicPr>
+            <a:picLocks noGrp="1"/>
+          </p:cNvPicPr>
+          <p:nvPr>
+            <p:ph idx="27" hasCustomPrompt="1"/>
+          </p:nvPr>
+        </p:nvPicPr>
+        <p:blipFill>
+          <a:blip cstate="print" r:embed="rId2"/>
+          <a:stretch>
+            <a:fillRect/>
+          </a:stretch>
+        </p:blipFill>
+        <p:spPr>
+          <a:xfrm>
+            <a:off x="4458075" y="769471"/>
+            <a:ext cx="3682166" cy="5744973"/>
+          </a:xfrm>
+          <a:prstGeom prst="rect">
+            <a:avLst/>
+          </a:prstGeom>
+        </p:spPr>
+      </p:pic>
+      <p:sp>
+        <p:nvSpPr>
+          <p:cNvPr id="8" name="Citations"/>
+          <p:cNvSpPr>
+            <a:spLocks noGrp="1"/>
+          </p:cNvSpPr>
+          <p:nvPr>
+            <p:ph sz="quarter" idx="22" hasCustomPrompt="1"/>
+          </p:nvPr>
+        </p:nvSpPr>
+        <p:spPr>
+          <a:xfrm>
+            <a:off x="1082430" y="6472384"/>
+            <a:ext cx="8731002" cy="357244"/>
+          </a:xfrm>
+        </p:spPr>
+        <p:txBody>
+          <a:bodyPr/>
+          <a:lstStyle/>
+          <a:p>
+            <a:r>
+              <a:rPr/>
+              <a:t>&lt;a
+name=bib-kellyCollaborativeWebSearch2014&gt;&lt;/a&gt;[[1]](#cite-kellyCollaborativeWebSearch2014)
+R. Kelly and S. J. Payne. “Collaborative Web Search in Context: A Study
+of Tool Use in Everyday Tasks”. In: _2014 ACM Conference on Computer
+Supported Cooperative Work_. University of Bath, 2014. DOI:
+[10.1145/2531602.2531617](https://doi.org/10.1145%2F2531602.2531617).
+(Visited on 02/17/2014).</a:t>
+            </a:r>
+          </a:p>
+        </p:txBody>
+      </p:sp>
+      <p:sp>
+        <p:nvSpPr>
+          <p:cNvPr id="9" name="CRICOS"/>
+          <p:cNvSpPr>
+            <a:spLocks noGrp="1"/>
+          </p:cNvSpPr>
+          <p:nvPr>
+            <p:ph sz="quarter" idx="23" hasCustomPrompt="1"/>
+          </p:nvPr>
+        </p:nvSpPr>
+        <p:spPr>
+          <a:xfrm>
+            <a:off x="9825726" y="6459100"/>
+            <a:ext cx="1455417" cy="370528"/>
+          </a:xfrm>
+        </p:spPr>
+        <p:txBody>
+          <a:bodyPr/>
+          <a:lstStyle/>
+          <a:p>
+            <a:r>
+              <a:rPr/>
+              <a:t>CRICOS 00099F</a:t>
+            </a:r>
+          </a:p>
+        </p:txBody>
+      </p:sp>
+    </p:spTree>
+  </p:cSld>
+  <p:clrMapOvr>
+    <a:masterClrMapping/>
+  </p:clrMapOvr>
+</p:sld>
+</file>
+
+<file path=ppt/slides/slide4.xml><?xml version="1.0" encoding="utf-8"?>
+<p:sld xmlns:a="http://schemas.openxmlformats.org/drawingml/2006/main" xmlns:r="http://schemas.openxmlformats.org/officeDocument/2006/relationships" xmlns:p="http://schemas.openxmlformats.org/presentationml/2006/main">
+  <p:cSld>
+    <p:spTree>
+      <p:nvGrpSpPr>
+        <p:cNvPr id="1" name=""/>
+        <p:cNvGrpSpPr/>
+        <p:nvPr/>
+      </p:nvGrpSpPr>
+      <p:grpSpPr>
+        <a:xfrm>
+          <a:off x="0" y="0"/>
+          <a:ext cx="0" cy="0"/>
+          <a:chOff x="0" y="0"/>
+          <a:chExt cx="0" cy="0"/>
+        </a:xfrm>
+      </p:grpSpPr>
+      <p:sp>
+        <p:nvSpPr>
+          <p:cNvPr id="2" name="MainText"/>
+          <p:cNvSpPr>
+            <a:spLocks noGrp="1"/>
+          </p:cNvSpPr>
+          <p:nvPr>
+            <p:ph type="body" sz="quarter" idx="10"/>
+          </p:nvPr>
+        </p:nvSpPr>
+        <p:spPr>
+          <a:xfrm>
+            <a:off x="838200" y="1828800"/>
+            <a:ext cx="10515600" cy="4664075"/>
+          </a:xfrm>
+        </p:spPr>
+        <p:txBody>
+          <a:bodyPr/>
+          <a:lstStyle/>
+          <a:p>
+            <a:pPr/>
+            <a:r>
+              <a:rPr/>
+              <a:t>[1] G. Aden-Buie and M. T. Warkentin. _xaringanExtra: Extras and
+Extensions for 'xaringan' Slides_. R package version 0.7.0. 2022. &lt;URL:
+https://CRAN.R-project.org/package=xaringanExtra&gt;.</a:t>
+            </a:r>
+          </a:p>
+          <a:p>
+            <a:pPr/>
+            <a:r>
+              <a:rPr/>
+              <a:t>[2] J. Allaire, Y. Xie, C. Dervieux, et al. _rmarkdown: Dynamic
+Documents for R_. R package version 2.21. 2023. &lt;URL:
+https://github.com/rstudio/rmarkdown&gt;.</a:t>
+            </a:r>
+          </a:p>
+          <a:p>
+            <a:pPr/>
+            <a:r>
+              <a:rPr/>
+              <a:t>[3] S. M. Bache and H. Wickham. _magrittr: A Forward-Pipe Operator for
+R_. R package version 2.0.3. 2022. &lt;URL:
+https://CRAN.R-project.org/package=magrittr&gt;.</a:t>
+            </a:r>
+          </a:p>
+          <a:p>
+            <a:pPr/>
+            <a:r>
+              <a:rPr/>
+              <a:t>[4] M. Barrett and R. Iannone. _ymlthis: Write 'YAML' for 'R Markdown',
+'bookdown', 'blogdown', and More_. R package version 0.1.7. 2022. &lt;URL:
+https://CRAN.R-project.org/package=ymlthis&gt;.</a:t>
+            </a:r>
+          </a:p>
+          <a:p>
+            <a:pPr/>
+            <a:r>
+              <a:rPr/>
+              <a:t>[5] D. Dunnington and B. M. Wiernik. _rbbt: R Interface to the Better
+BiBTex Zotero Connector_. R package version 0.0.0.9000. 2023. &lt;URL:
+https://github.com/paleolimbot/rbbt&gt;.</a:t>
+            </a:r>
+          </a:p>
+          <a:p>
+            <a:pPr/>
+            <a:r>
+              <a:rPr/>
+              <a:t>[6] S. P. Garbett, J. Stephens, K. Simonov, et al. _yaml: Methods to
+Convert R Data to YAML and Back_. R package version 2.3.7. 2023. &lt;URL:
+https://CRAN.R-project.org/package=yaml&gt;.</a:t>
+            </a:r>
+          </a:p>
+          <a:p>
+            <a:pPr/>
+            <a:r>
+              <a:rPr/>
+              <a:t>[7] D. Gohel. _officer: Manipulation of Microsoft Word and PowerPoint
+Documents_. R package version 0.6.1. 2023. &lt;URL:
+https://CRAN.R-project.org/package=officer&gt;.</a:t>
+            </a:r>
+          </a:p>
+          <a:p>
+            <a:pPr/>
+            <a:r>
+              <a:rPr/>
+              <a:t>[8] J. Harrold and B. Smith. _onbrand: Templated Reporting Workflows in
+Word and PowerPoint_. R package version 1.0.2. 2021. &lt;URL:
+https://CRAN.R-project.org/package=onbrand&gt;.</a:t>
+            </a:r>
+          </a:p>
+          <a:p>
+            <a:pPr/>
+            <a:r>
+              <a:rPr/>
+              <a:t>[9] M. W. McLean. “RefManageR: Import and Manage BibTeX and BibLaTeX
+References in R”. In: _The Journal of Open Source Software_ (2017).
+DOI: 10.21105/joss.00338.</a:t>
+            </a:r>
+          </a:p>
+          <a:p>
+            <a:pPr/>
+            <a:r>
+              <a:rPr/>
+              <a:t>[10] M. W. McLean. _Straightforward Bibliography Management in R Using
+the RefManager Package_. arXiv: 1403.2036 [cs.DL]. 2014. &lt;URL:
+https://arxiv.org/abs/1403.2036&gt;.</a:t>
+            </a:r>
+          </a:p>
+          <a:p>
+            <a:pPr/>
+            <a:r>
+              <a:rPr/>
+              <a:t>[11] K. Müller. _here: A Simpler Way to Find Your Files_. R package
+version 1.0.1. 2020. &lt;URL: https://CRAN.R-project.org/package=here&gt;.</a:t>
+            </a:r>
+          </a:p>
+          <a:p>
+            <a:pPr/>
+            <a:r>
+              <a:rPr/>
+              <a:t>[12] K. Müller and H. Wickham. _tibble: Simple Data Frames_. R package
+version 3.2.0. 2023. &lt;URL: https://CRAN.R-project.org/package=tibble&gt;.</a:t>
+            </a:r>
+          </a:p>
+          <a:p>
+            <a:pPr/>
+            <a:r>
+              <a:rPr/>
+              <a:t>[13] R Core Team. _R: A Language and Environment for Statistical
+Computing_. R Foundation for Statistical Computing. Vienna, Austria,
+2021. &lt;URL: https://www.R-project.org/&gt;.</a:t>
+            </a:r>
+          </a:p>
+          <a:p>
+            <a:pPr/>
+            <a:r>
+              <a:rPr/>
+              <a:t>[14] R Core Team. _R: A Language and Environment for Statistical
+Computing_. R Foundation for Statistical Computing. Vienna, Austria,
+2021. &lt;URL: https://www.R-project.org/&gt;.</a:t>
+            </a:r>
+          </a:p>
+          <a:p>
+            <a:pPr/>
+            <a:r>
+              <a:rPr/>
+              <a:t>[15] T. W. Rinker and D. Kurkiewicz. _pacman: Package Management for
+R_. version 0.5.0. Buffalo, New York, 2018. &lt;URL:
+http://github.com/trinker/pacman&gt;.</a:t>
+            </a:r>
+          </a:p>
+          <a:p>
+            <a:pPr/>
+            <a:r>
+              <a:rPr/>
+              <a:t>[16] F. Rodríguez-Sánchez and S. D. Hutchins. _grateful: Facilitate
+citation of R packages_. R package version 0.0.2. 2020. &lt;URL:
+https://github.com/Pakillo/grateful&gt;.</a:t>
+            </a:r>
+          </a:p>
+          <a:p>
+            <a:pPr/>
+            <a:r>
+              <a:rPr/>
+              <a:t>[17] H. Wickham. _stringr: Simple, Consistent Wrappers for Common
+String Operations_. R package version 1.5.0. 2022. &lt;URL:
+https://CRAN.R-project.org/package=stringr&gt;.</a:t>
+            </a:r>
+          </a:p>
+          <a:p>
+            <a:pPr/>
+            <a:r>
+              <a:rPr/>
+              <a:t>[18] H. Wickham, R. François, L. Henry, et al. _dplyr: A Grammar of
+Data Manipulation_. R package version 1.1.1. 2023. &lt;URL:
+https://CRAN.R-project.org/package=dplyr&gt;.</a:t>
+            </a:r>
+          </a:p>
+          <a:p>
+            <a:pPr/>
+            <a:r>
+              <a:rPr/>
+              <a:t>[19] H. Wickham and L. Henry. _purrr: Functional Programming Tools_. R
+package version 1.0.1. 2023. &lt;URL:
+https://CRAN.R-project.org/package=purrr&gt;.</a:t>
+            </a:r>
+          </a:p>
+          <a:p>
+            <a:pPr/>
+            <a:r>
+              <a:rPr/>
+              <a:t>[20] H. Wickham, J. Hester, and J. Bryan. _readr: Read Rectangular Text
+Data_. R package version 2.1.4. 2023. &lt;URL:
+https://CRAN.R-project.org/package=readr&gt;.</a:t>
+            </a:r>
+          </a:p>
+          <a:p>
+            <a:pPr/>
+            <a:r>
+              <a:rPr/>
+              <a:t>[21] H. Wickham, D. Vaughan, and M. Girlich. _tidyr: Tidy Messy Data_.
+R package version 1.3.0. 2023. &lt;URL:
+https://CRAN.R-project.org/package=tidyr&gt;.</a:t>
+            </a:r>
+          </a:p>
+          <a:p>
+            <a:pPr/>
+            <a:r>
+              <a:rPr/>
+              <a:t>[22] Y. Xie. _xaringan: Presentation Ninja_. R package version 0.28.
+2022. &lt;URL: https://CRAN.R-project.org/package=xaringan&gt;.</a:t>
+            </a:r>
+          </a:p>
+          <a:p>
+            <a:pPr/>
+            <a:r>
+              <a:rPr/>
+              <a:t>[23] Y. Xie, J. Allaire, and G. Grolemund. _R Markdown: The Definitive
+Guide_. Boca Raton, Florida: Chapman and Hall/CRC, 2018. ISBN:
+9781138359338. &lt;URL: https://bookdown.org/yihui/rmarkdown&gt;.</a:t>
+            </a:r>
+          </a:p>
+          <a:p>
+            <a:pPr/>
+            <a:r>
+              <a:rPr/>
+              <a:t>[24] Y. Xie, C. Dervieux, and E. Riederer. _R Markdown Cookbook_. Boca
+Raton, Florida: Chapman and Hall/CRC, 2020. ISBN: 9780367563837. &lt;URL:
+https://bookdown.org/yihui/rmarkdown-cookbook&gt;.</a:t>
+            </a:r>
+          </a:p>
+          <a:p>
+            <a:pPr/>
+            <a:r>
+              <a:rPr/>
+              <a:t>[25] A. Yasumoto. _ftExtra: Extensions for 'Flextable'_. R package
+version 0.5.0. 2023. &lt;URL: https://CRAN.R-project.org/package=ftExtra&gt;.</a:t>
+            </a:r>
+          </a:p>
+        </p:txBody>
+      </p:sp>
+    </p:spTree>
+  </p:cSld>
+  <p:clrMapOvr>
+    <a:masterClrMapping/>
+  </p:clrMapOvr>
+</p:sld>
+</file>
+
+<file path=ppt/slides/slide5.xml><?xml version="1.0" encoding="utf-8"?>
 <p:sld xmlns:a="http://schemas.openxmlformats.org/drawingml/2006/main" xmlns:r="http://schemas.openxmlformats.org/officeDocument/2006/relationships" xmlns:p="http://schemas.openxmlformats.org/presentationml/2006/main">
   <p:cSld>
     <p:spTree>
